--- a/files/figs.pptx
+++ b/files/figs.pptx
@@ -104,6 +104,11 @@
       </a:defRPr>
     </a:lvl9pPr>
   </p:defaultTextStyle>
+  <p:extLst>
+    <p:ext uri="{EFAFB233-063F-42B5-8137-9DF3F51BA10A}">
+      <p15:sldGuideLst xmlns:p15="http://schemas.microsoft.com/office/powerpoint/2012/main"/>
+    </p:ext>
+  </p:extLst>
 </p:presentation>
 </file>
 
@@ -238,7 +243,7 @@
           <a:p>
             <a:fld id="{C18900E6-3F7B-8E4F-ADA0-70C47F8F26D8}" type="datetimeFigureOut">
               <a:rPr lang="en-US" smtClean="0"/>
-              <a:t>12/16/17</a:t>
+              <a:t>1/29/18</a:t>
             </a:fld>
             <a:endParaRPr lang="en-US"/>
           </a:p>
@@ -408,7 +413,7 @@
           <a:p>
             <a:fld id="{C18900E6-3F7B-8E4F-ADA0-70C47F8F26D8}" type="datetimeFigureOut">
               <a:rPr lang="en-US" smtClean="0"/>
-              <a:t>12/16/17</a:t>
+              <a:t>1/29/18</a:t>
             </a:fld>
             <a:endParaRPr lang="en-US"/>
           </a:p>
@@ -588,7 +593,7 @@
           <a:p>
             <a:fld id="{C18900E6-3F7B-8E4F-ADA0-70C47F8F26D8}" type="datetimeFigureOut">
               <a:rPr lang="en-US" smtClean="0"/>
-              <a:t>12/16/17</a:t>
+              <a:t>1/29/18</a:t>
             </a:fld>
             <a:endParaRPr lang="en-US"/>
           </a:p>
@@ -758,7 +763,7 @@
           <a:p>
             <a:fld id="{C18900E6-3F7B-8E4F-ADA0-70C47F8F26D8}" type="datetimeFigureOut">
               <a:rPr lang="en-US" smtClean="0"/>
-              <a:t>12/16/17</a:t>
+              <a:t>1/29/18</a:t>
             </a:fld>
             <a:endParaRPr lang="en-US"/>
           </a:p>
@@ -1004,7 +1009,7 @@
           <a:p>
             <a:fld id="{C18900E6-3F7B-8E4F-ADA0-70C47F8F26D8}" type="datetimeFigureOut">
               <a:rPr lang="en-US" smtClean="0"/>
-              <a:t>12/16/17</a:t>
+              <a:t>1/29/18</a:t>
             </a:fld>
             <a:endParaRPr lang="en-US"/>
           </a:p>
@@ -1236,7 +1241,7 @@
           <a:p>
             <a:fld id="{C18900E6-3F7B-8E4F-ADA0-70C47F8F26D8}" type="datetimeFigureOut">
               <a:rPr lang="en-US" smtClean="0"/>
-              <a:t>12/16/17</a:t>
+              <a:t>1/29/18</a:t>
             </a:fld>
             <a:endParaRPr lang="en-US"/>
           </a:p>
@@ -1603,7 +1608,7 @@
           <a:p>
             <a:fld id="{C18900E6-3F7B-8E4F-ADA0-70C47F8F26D8}" type="datetimeFigureOut">
               <a:rPr lang="en-US" smtClean="0"/>
-              <a:t>12/16/17</a:t>
+              <a:t>1/29/18</a:t>
             </a:fld>
             <a:endParaRPr lang="en-US"/>
           </a:p>
@@ -1721,7 +1726,7 @@
           <a:p>
             <a:fld id="{C18900E6-3F7B-8E4F-ADA0-70C47F8F26D8}" type="datetimeFigureOut">
               <a:rPr lang="en-US" smtClean="0"/>
-              <a:t>12/16/17</a:t>
+              <a:t>1/29/18</a:t>
             </a:fld>
             <a:endParaRPr lang="en-US"/>
           </a:p>
@@ -1816,7 +1821,7 @@
           <a:p>
             <a:fld id="{C18900E6-3F7B-8E4F-ADA0-70C47F8F26D8}" type="datetimeFigureOut">
               <a:rPr lang="en-US" smtClean="0"/>
-              <a:t>12/16/17</a:t>
+              <a:t>1/29/18</a:t>
             </a:fld>
             <a:endParaRPr lang="en-US"/>
           </a:p>
@@ -2093,7 +2098,7 @@
           <a:p>
             <a:fld id="{C18900E6-3F7B-8E4F-ADA0-70C47F8F26D8}" type="datetimeFigureOut">
               <a:rPr lang="en-US" smtClean="0"/>
-              <a:t>12/16/17</a:t>
+              <a:t>1/29/18</a:t>
             </a:fld>
             <a:endParaRPr lang="en-US"/>
           </a:p>
@@ -2346,7 +2351,7 @@
           <a:p>
             <a:fld id="{C18900E6-3F7B-8E4F-ADA0-70C47F8F26D8}" type="datetimeFigureOut">
               <a:rPr lang="en-US" smtClean="0"/>
-              <a:t>12/16/17</a:t>
+              <a:t>1/29/18</a:t>
             </a:fld>
             <a:endParaRPr lang="en-US"/>
           </a:p>
@@ -2559,7 +2564,7 @@
           <a:p>
             <a:fld id="{C18900E6-3F7B-8E4F-ADA0-70C47F8F26D8}" type="datetimeFigureOut">
               <a:rPr lang="en-US" smtClean="0"/>
-              <a:t>12/16/17</a:t>
+              <a:t>1/29/18</a:t>
             </a:fld>
             <a:endParaRPr lang="en-US"/>
           </a:p>
@@ -3016,8 +3021,8 @@
         </p:nvSpPr>
         <p:spPr>
           <a:xfrm rot="16200000">
-            <a:off x="1273202" y="3157599"/>
-            <a:ext cx="2124299" cy="400110"/>
+            <a:off x="1247554" y="3157599"/>
+            <a:ext cx="2175596" cy="400110"/>
           </a:xfrm>
           <a:prstGeom prst="rect">
             <a:avLst/>
@@ -3039,7 +3044,18 @@
                 <a:ea typeface="Arvo" charset="0"/>
                 <a:cs typeface="Arvo" charset="0"/>
               </a:rPr>
-              <a:t>P(assumptions)</a:t>
+              <a:t>P(Assumptions</a:t>
+            </a:r>
+            <a:r>
+              <a:rPr lang="en-US" sz="2000" dirty="0" smtClean="0">
+                <a:solidFill>
+                  <a:srgbClr val="FF0000"/>
+                </a:solidFill>
+                <a:latin typeface="Arvo" charset="0"/>
+                <a:ea typeface="Arvo" charset="0"/>
+                <a:cs typeface="Arvo" charset="0"/>
+              </a:rPr>
+              <a:t>)</a:t>
             </a:r>
             <a:endParaRPr lang="en-US" sz="2000" dirty="0">
               <a:solidFill>
